--- a/documents/김경연_도서관리프로그램_찐최종.pptx
+++ b/documents/김경연_도서관리프로그램_찐최종.pptx
@@ -6769,7 +6769,7 @@
         </p:nvSpPr>
         <p:spPr>
           <a:xfrm>
-            <a:off x="447723" y="514442"/>
+            <a:off x="402011" y="425126"/>
             <a:ext cx="11232000" cy="6120680"/>
           </a:xfrm>
           <a:prstGeom prst="rect">
@@ -6819,62 +6819,9 @@
           </a:p>
         </p:txBody>
       </p:sp>
-      <p:sp>
-        <p:nvSpPr>
-          <p:cNvPr id="4" name="직사각형 3"/>
-          <p:cNvSpPr/>
-          <p:nvPr/>
-        </p:nvSpPr>
-        <p:spPr>
-          <a:xfrm>
-            <a:off x="402011" y="188640"/>
-            <a:ext cx="2885726" cy="369332"/>
-          </a:xfrm>
-          <a:prstGeom prst="rect">
-            <a:avLst/>
-          </a:prstGeom>
-        </p:spPr>
-        <p:txBody>
-          <a:bodyPr wrap="none">
-            <a:spAutoFit/>
-          </a:bodyPr>
-          <a:lstStyle/>
-          <a:p>
-            <a:r>
-              <a:rPr lang="ko-KR" altLang="en-US" b="1" spc="-150" dirty="0" smtClean="0">
-                <a:solidFill>
-                  <a:prstClr val="white"/>
-                </a:solidFill>
-              </a:rPr>
-              <a:t>클래스다이어그램</a:t>
-            </a:r>
-            <a:r>
-              <a:rPr lang="en-US" altLang="ko-KR" b="1" spc="-150" dirty="0" smtClean="0">
-                <a:solidFill>
-                  <a:prstClr val="white"/>
-                </a:solidFill>
-              </a:rPr>
-              <a:t>– </a:t>
-            </a:r>
-            <a:r>
-              <a:rPr lang="ko-KR" altLang="en-US" b="1" spc="-150" dirty="0" err="1" smtClean="0">
-                <a:solidFill>
-                  <a:prstClr val="white"/>
-                </a:solidFill>
-              </a:rPr>
-              <a:t>메인화면</a:t>
-            </a:r>
-            <a:endParaRPr lang="en-US" altLang="ko-KR" b="1" spc="-150" dirty="0" smtClean="0">
-              <a:solidFill>
-                <a:prstClr val="white"/>
-              </a:solidFill>
-            </a:endParaRPr>
-          </a:p>
-        </p:txBody>
-      </p:sp>
       <p:pic>
         <p:nvPicPr>
-          <p:cNvPr id="6" name="그림 5"/>
+          <p:cNvPr id="5" name="그림 4"/>
           <p:cNvPicPr>
             <a:picLocks noChangeAspect="1"/>
           </p:cNvPicPr>
@@ -6888,14 +6835,67 @@
         </p:blipFill>
         <p:spPr>
           <a:xfrm>
-            <a:off x="2497735" y="701538"/>
-            <a:ext cx="7195282" cy="5814963"/>
+            <a:off x="2491869" y="701538"/>
+            <a:ext cx="7145778" cy="5702113"/>
           </a:xfrm>
           <a:prstGeom prst="rect">
             <a:avLst/>
           </a:prstGeom>
         </p:spPr>
       </p:pic>
+      <p:sp>
+        <p:nvSpPr>
+          <p:cNvPr id="4" name="직사각형 3"/>
+          <p:cNvSpPr/>
+          <p:nvPr/>
+        </p:nvSpPr>
+        <p:spPr>
+          <a:xfrm>
+            <a:off x="402011" y="188640"/>
+            <a:ext cx="2885726" cy="369332"/>
+          </a:xfrm>
+          <a:prstGeom prst="rect">
+            <a:avLst/>
+          </a:prstGeom>
+        </p:spPr>
+        <p:txBody>
+          <a:bodyPr wrap="none">
+            <a:spAutoFit/>
+          </a:bodyPr>
+          <a:lstStyle/>
+          <a:p>
+            <a:r>
+              <a:rPr lang="ko-KR" altLang="en-US" b="1" spc="-150" dirty="0" smtClean="0">
+                <a:solidFill>
+                  <a:prstClr val="white"/>
+                </a:solidFill>
+              </a:rPr>
+              <a:t>클래스다이어그램</a:t>
+            </a:r>
+            <a:r>
+              <a:rPr lang="en-US" altLang="ko-KR" b="1" spc="-150" dirty="0" smtClean="0">
+                <a:solidFill>
+                  <a:prstClr val="white"/>
+                </a:solidFill>
+              </a:rPr>
+              <a:t>– </a:t>
+            </a:r>
+            <a:r>
+              <a:rPr lang="ko-KR" altLang="en-US" b="1" spc="-150" dirty="0" err="1" smtClean="0">
+                <a:solidFill>
+                  <a:prstClr val="white"/>
+                </a:solidFill>
+              </a:rPr>
+              <a:t>메인화면</a:t>
+            </a:r>
+            <a:endParaRPr lang="en-US" altLang="ko-KR" b="1" spc="-150" dirty="0" smtClean="0">
+              <a:solidFill>
+                <a:prstClr val="white"/>
+              </a:solidFill>
+            </a:endParaRPr>
+          </a:p>
+        </p:txBody>
+      </p:sp>
       <p:sp>
         <p:nvSpPr>
           <p:cNvPr id="7" name="직사각형 6"/>
@@ -13763,7 +13763,7 @@
           <p:cNvPr id="33" name="직사각형 32">
             <a:extLst>
               <a:ext uri="{FF2B5EF4-FFF2-40B4-BE49-F238E27FC236}">
-                <a16:creationId xmlns:a16="http://schemas.microsoft.com/office/drawing/2014/main" xmlns="" id="{3FA00699-5178-465A-9F3F-130CF1431F70}"/>
+                <a16:creationId xmlns="" xmlns:a16="http://schemas.microsoft.com/office/drawing/2014/main" id="{3FA00699-5178-465A-9F3F-130CF1431F70}"/>
               </a:ext>
             </a:extLst>
           </p:cNvPr>
@@ -13824,7 +13824,7 @@
           <p:cNvPr id="34" name="직사각형 33">
             <a:extLst>
               <a:ext uri="{FF2B5EF4-FFF2-40B4-BE49-F238E27FC236}">
-                <a16:creationId xmlns:a16="http://schemas.microsoft.com/office/drawing/2014/main" xmlns="" id="{3FA00699-5178-465A-9F3F-130CF1431F70}"/>
+                <a16:creationId xmlns="" xmlns:a16="http://schemas.microsoft.com/office/drawing/2014/main" id="{3FA00699-5178-465A-9F3F-130CF1431F70}"/>
               </a:ext>
             </a:extLst>
           </p:cNvPr>
@@ -13877,7 +13877,7 @@
           <p:cNvPr id="35" name="직사각형 34">
             <a:extLst>
               <a:ext uri="{FF2B5EF4-FFF2-40B4-BE49-F238E27FC236}">
-                <a16:creationId xmlns:a16="http://schemas.microsoft.com/office/drawing/2014/main" xmlns="" id="{3FA00699-5178-465A-9F3F-130CF1431F70}"/>
+                <a16:creationId xmlns="" xmlns:a16="http://schemas.microsoft.com/office/drawing/2014/main" id="{3FA00699-5178-465A-9F3F-130CF1431F70}"/>
               </a:ext>
             </a:extLst>
           </p:cNvPr>
@@ -13958,7 +13958,7 @@
           <p:cNvPr id="36" name="직사각형 35">
             <a:extLst>
               <a:ext uri="{FF2B5EF4-FFF2-40B4-BE49-F238E27FC236}">
-                <a16:creationId xmlns:a16="http://schemas.microsoft.com/office/drawing/2014/main" xmlns="" id="{3FA00699-5178-465A-9F3F-130CF1431F70}"/>
+                <a16:creationId xmlns="" xmlns:a16="http://schemas.microsoft.com/office/drawing/2014/main" id="{3FA00699-5178-465A-9F3F-130CF1431F70}"/>
               </a:ext>
             </a:extLst>
           </p:cNvPr>
@@ -14011,7 +14011,7 @@
           <p:cNvPr id="45" name="직사각형 44">
             <a:extLst>
               <a:ext uri="{FF2B5EF4-FFF2-40B4-BE49-F238E27FC236}">
-                <a16:creationId xmlns:a16="http://schemas.microsoft.com/office/drawing/2014/main" xmlns="" id="{3FA00699-5178-465A-9F3F-130CF1431F70}"/>
+                <a16:creationId xmlns="" xmlns:a16="http://schemas.microsoft.com/office/drawing/2014/main" id="{3FA00699-5178-465A-9F3F-130CF1431F70}"/>
               </a:ext>
             </a:extLst>
           </p:cNvPr>
@@ -14069,7 +14069,7 @@
           <p:cNvPr id="46" name="직사각형 45">
             <a:extLst>
               <a:ext uri="{FF2B5EF4-FFF2-40B4-BE49-F238E27FC236}">
-                <a16:creationId xmlns:a16="http://schemas.microsoft.com/office/drawing/2014/main" xmlns="" id="{3FA00699-5178-465A-9F3F-130CF1431F70}"/>
+                <a16:creationId xmlns="" xmlns:a16="http://schemas.microsoft.com/office/drawing/2014/main" id="{3FA00699-5178-465A-9F3F-130CF1431F70}"/>
               </a:ext>
             </a:extLst>
           </p:cNvPr>
